--- a/Ladder_Heisemberg_presentation.pptx
+++ b/Ladder_Heisemberg_presentation.pptx
@@ -5404,8 +5404,8 @@
         </p:nvSpPr>
         <p:spPr/>
       </p:sp>
-      <mc:AlternateContent xmlns:mc="http://schemas.openxmlformats.org/markup-compatibility/2006">
-        <mc:Choice xmlns:a14="http://schemas.microsoft.com/office/drawing/2010/main" Requires="a14">
+      <mc:AlternateContent xmlns:mc="http://schemas.openxmlformats.org/markup-compatibility/2006" xmlns:a14="http://schemas.microsoft.com/office/drawing/2010/main">
+        <mc:Choice Requires="a14">
           <p:sp>
             <p:nvSpPr>
               <p:cNvPr id="3" name="Segnaposto note 2"/>
@@ -6281,7 +6281,7 @@
             </p:txBody>
           </p:sp>
         </mc:Choice>
-        <mc:Fallback>
+        <mc:Fallback xmlns="">
           <p:sp>
             <p:nvSpPr>
               <p:cNvPr id="3" name="Segnaposto note 2"/>
@@ -7674,6 +7674,262 @@
 </file>
 
 <file path=ppt/notesSlides/notesSlide7.xml><?xml version="1.0" encoding="utf-8"?>
+<p:notes xmlns:a="http://schemas.openxmlformats.org/drawingml/2006/main" xmlns:r="http://schemas.openxmlformats.org/officeDocument/2006/relationships" xmlns:p="http://schemas.openxmlformats.org/presentationml/2006/main">
+  <p:cSld>
+    <p:spTree>
+      <p:nvGrpSpPr>
+        <p:cNvPr id="1" name=""/>
+        <p:cNvGrpSpPr/>
+        <p:nvPr/>
+      </p:nvGrpSpPr>
+      <p:grpSpPr>
+        <a:xfrm>
+          <a:off x="0" y="0"/>
+          <a:ext cx="0" cy="0"/>
+          <a:chOff x="0" y="0"/>
+          <a:chExt cx="0" cy="0"/>
+        </a:xfrm>
+      </p:grpSpPr>
+      <p:sp>
+        <p:nvSpPr>
+          <p:cNvPr id="2" name="Segnaposto immagine diapositiva 1"/>
+          <p:cNvSpPr>
+            <a:spLocks noGrp="1" noRot="1" noChangeAspect="1"/>
+          </p:cNvSpPr>
+          <p:nvPr>
+            <p:ph type="sldImg"/>
+          </p:nvPr>
+        </p:nvSpPr>
+        <p:spPr/>
+      </p:sp>
+      <p:sp>
+        <p:nvSpPr>
+          <p:cNvPr id="3" name="Segnaposto note 2"/>
+          <p:cNvSpPr>
+            <a:spLocks noGrp="1"/>
+          </p:cNvSpPr>
+          <p:nvPr>
+            <p:ph type="body" idx="1"/>
+          </p:nvPr>
+        </p:nvSpPr>
+        <p:spPr/>
+        <p:txBody>
+          <a:bodyPr/>
+          <a:lstStyle/>
+          <a:p>
+            <a:r>
+              <a:rPr lang="it-IT" dirty="0"/>
+              <a:t>(-&gt; Along with first images) </a:t>
+            </a:r>
+            <a:r>
+              <a:rPr lang="it-IT" dirty="0" err="1"/>
+              <a:t>Briefly</a:t>
+            </a:r>
+            <a:r>
+              <a:rPr lang="it-IT" dirty="0"/>
+              <a:t> </a:t>
+            </a:r>
+            <a:r>
+              <a:rPr lang="it-IT" dirty="0" err="1"/>
+              <a:t>describe</a:t>
+            </a:r>
+            <a:r>
+              <a:rPr lang="it-IT" dirty="0"/>
+              <a:t> the </a:t>
+            </a:r>
+            <a:r>
+              <a:rPr lang="it-IT" dirty="0" err="1"/>
+              <a:t>algorithm</a:t>
+            </a:r>
+            <a:r>
+              <a:rPr lang="it-IT" dirty="0"/>
+              <a:t> for the tri-</a:t>
+            </a:r>
+            <a:r>
+              <a:rPr lang="it-IT" dirty="0" err="1"/>
+              <a:t>diagonalization</a:t>
+            </a:r>
+            <a:r>
+              <a:rPr lang="it-IT" dirty="0"/>
+              <a:t> of a </a:t>
+            </a:r>
+            <a:r>
+              <a:rPr lang="it-IT" dirty="0" err="1"/>
+              <a:t>matrix</a:t>
+            </a:r>
+            <a:r>
+              <a:rPr lang="it-IT" dirty="0"/>
+              <a:t> </a:t>
+            </a:r>
+            <a:r>
+              <a:rPr lang="it-IT" dirty="0" err="1"/>
+              <a:t>through</a:t>
+            </a:r>
+            <a:r>
+              <a:rPr lang="it-IT" dirty="0"/>
+              <a:t> the </a:t>
+            </a:r>
+            <a:r>
+              <a:rPr lang="it-IT" dirty="0" err="1"/>
+              <a:t>particular</a:t>
+            </a:r>
+            <a:r>
+              <a:rPr lang="it-IT" dirty="0"/>
+              <a:t> </a:t>
+            </a:r>
+            <a:r>
+              <a:rPr lang="it-IT" dirty="0" err="1"/>
+              <a:t>projection</a:t>
+            </a:r>
+            <a:r>
+              <a:rPr lang="it-IT" dirty="0"/>
+              <a:t> technique </a:t>
+            </a:r>
+            <a:r>
+              <a:rPr lang="it-IT" dirty="0" err="1"/>
+              <a:t>developed</a:t>
+            </a:r>
+            <a:r>
+              <a:rPr lang="it-IT" dirty="0"/>
+              <a:t> by </a:t>
+            </a:r>
+            <a:r>
+              <a:rPr lang="it-IT" dirty="0" err="1"/>
+              <a:t>Lanczos</a:t>
+            </a:r>
+            <a:r>
+              <a:rPr lang="it-IT" dirty="0"/>
+              <a:t>.</a:t>
+            </a:r>
+          </a:p>
+          <a:p>
+            <a:endParaRPr lang="it-IT" dirty="0"/>
+          </a:p>
+          <a:p>
+            <a:r>
+              <a:rPr lang="it-IT" dirty="0"/>
+              <a:t>(-&gt; After the first images) Compare the </a:t>
+            </a:r>
+            <a:r>
+              <a:rPr lang="it-IT" dirty="0" err="1"/>
+              <a:t>results</a:t>
+            </a:r>
+            <a:r>
+              <a:rPr lang="it-IT" dirty="0"/>
+              <a:t> from </a:t>
+            </a:r>
+            <a:r>
+              <a:rPr lang="it-IT" dirty="0" err="1"/>
+              <a:t>my</a:t>
+            </a:r>
+            <a:r>
+              <a:rPr lang="it-IT" dirty="0"/>
+              <a:t> personal </a:t>
+            </a:r>
+            <a:r>
+              <a:rPr lang="it-IT" dirty="0" err="1"/>
+              <a:t>implementation</a:t>
+            </a:r>
+            <a:r>
+              <a:rPr lang="it-IT" dirty="0"/>
+              <a:t> of </a:t>
+            </a:r>
+            <a:r>
+              <a:rPr lang="it-IT" dirty="0" err="1"/>
+              <a:t>Lanczos</a:t>
+            </a:r>
+            <a:r>
+              <a:rPr lang="it-IT" dirty="0"/>
+              <a:t> </a:t>
+            </a:r>
+            <a:r>
+              <a:rPr lang="it-IT" dirty="0" err="1"/>
+              <a:t>algorithm</a:t>
+            </a:r>
+            <a:r>
+              <a:rPr lang="it-IT" dirty="0"/>
+              <a:t> with the </a:t>
+            </a:r>
+            <a:r>
+              <a:rPr lang="it-IT" dirty="0" err="1"/>
+              <a:t>ones</a:t>
+            </a:r>
+            <a:r>
+              <a:rPr lang="it-IT" dirty="0"/>
+              <a:t> from the </a:t>
+            </a:r>
+            <a:r>
+              <a:rPr lang="it-IT" dirty="0" err="1"/>
+              <a:t>built</a:t>
+            </a:r>
+            <a:r>
+              <a:rPr lang="it-IT" dirty="0"/>
+              <a:t>-in </a:t>
+            </a:r>
+            <a:r>
+              <a:rPr lang="it-IT" dirty="0" err="1"/>
+              <a:t>diagonalization</a:t>
+            </a:r>
+            <a:r>
+              <a:rPr lang="it-IT" dirty="0"/>
+              <a:t> </a:t>
+            </a:r>
+            <a:r>
+              <a:rPr lang="it-IT" dirty="0" err="1"/>
+              <a:t>functions</a:t>
+            </a:r>
+            <a:r>
+              <a:rPr lang="it-IT" dirty="0"/>
+              <a:t> in </a:t>
+            </a:r>
+            <a:r>
+              <a:rPr lang="it-IT" dirty="0" err="1"/>
+              <a:t>python</a:t>
+            </a:r>
+            <a:r>
+              <a:rPr lang="it-IT" dirty="0"/>
+              <a:t>.</a:t>
+            </a:r>
+          </a:p>
+        </p:txBody>
+      </p:sp>
+      <p:sp>
+        <p:nvSpPr>
+          <p:cNvPr id="4" name="Segnaposto numero diapositiva 3"/>
+          <p:cNvSpPr>
+            <a:spLocks noGrp="1"/>
+          </p:cNvSpPr>
+          <p:nvPr>
+            <p:ph type="sldNum" sz="quarter" idx="5"/>
+          </p:nvPr>
+        </p:nvSpPr>
+        <p:spPr/>
+        <p:txBody>
+          <a:bodyPr/>
+          <a:lstStyle/>
+          <a:p>
+            <a:fld id="{E4002E52-8812-4028-A227-4DE50D755FFE}" type="slidenum">
+              <a:rPr lang="it-IT" smtClean="0"/>
+              <a:t>11</a:t>
+            </a:fld>
+            <a:endParaRPr lang="it-IT"/>
+          </a:p>
+        </p:txBody>
+      </p:sp>
+    </p:spTree>
+    <p:extLst>
+      <p:ext uri="{BB962C8B-B14F-4D97-AF65-F5344CB8AC3E}">
+        <p14:creationId xmlns:p14="http://schemas.microsoft.com/office/powerpoint/2010/main" val="324822006"/>
+      </p:ext>
+    </p:extLst>
+  </p:cSld>
+  <p:clrMapOvr>
+    <a:masterClrMapping/>
+  </p:clrMapOvr>
+</p:notes>
+</file>
+
+<file path=ppt/notesSlides/notesSlide8.xml><?xml version="1.0" encoding="utf-8"?>
 <p:notes xmlns:a="http://schemas.openxmlformats.org/drawingml/2006/main" xmlns:r="http://schemas.openxmlformats.org/officeDocument/2006/relationships" xmlns:p="http://schemas.openxmlformats.org/presentationml/2006/main">
   <p:cSld>
     <p:spTree>
@@ -12222,8 +12478,8 @@
             </a:p>
           </p:txBody>
         </p:sp>
-        <mc:AlternateContent xmlns:mc="http://schemas.openxmlformats.org/markup-compatibility/2006">
-          <mc:Choice xmlns:a14="http://schemas.microsoft.com/office/drawing/2010/main" Requires="a14">
+        <mc:AlternateContent xmlns:mc="http://schemas.openxmlformats.org/markup-compatibility/2006" xmlns:a14="http://schemas.microsoft.com/office/drawing/2010/main">
+          <mc:Choice Requires="a14">
             <p:sp>
               <p:nvSpPr>
                 <p:cNvPr id="9" name="CasellaDiTesto 8">
@@ -12279,7 +12535,7 @@
               </p:txBody>
             </p:sp>
           </mc:Choice>
-          <mc:Fallback>
+          <mc:Fallback xmlns="">
             <p:sp>
               <p:nvSpPr>
                 <p:cNvPr id="9" name="CasellaDiTesto 8">
@@ -12303,7 +12559,7 @@
                   <a:avLst/>
                 </a:prstGeom>
                 <a:blipFill>
-                  <a:blip r:embed="rId2"/>
+                  <a:blip r:embed="rId3"/>
                   <a:stretch>
                     <a:fillRect/>
                   </a:stretch>
@@ -12324,8 +12580,8 @@
             </p:sp>
           </mc:Fallback>
         </mc:AlternateContent>
-        <mc:AlternateContent xmlns:mc="http://schemas.openxmlformats.org/markup-compatibility/2006">
-          <mc:Choice xmlns:a14="http://schemas.microsoft.com/office/drawing/2010/main" Requires="a14">
+        <mc:AlternateContent xmlns:mc="http://schemas.openxmlformats.org/markup-compatibility/2006" xmlns:a14="http://schemas.microsoft.com/office/drawing/2010/main">
+          <mc:Choice Requires="a14">
             <p:sp>
               <p:nvSpPr>
                 <p:cNvPr id="7" name="CasellaDiTesto 6">
@@ -12354,6 +12610,7 @@
                 </a:bodyPr>
                 <a:lstStyle/>
                 <a:p>
+                  <a:pPr/>
                   <a14:m>
                     <m:oMathPara xmlns:m="http://schemas.openxmlformats.org/officeDocument/2006/math">
                       <m:oMathParaPr>
@@ -12417,7 +12674,7 @@
               </p:txBody>
             </p:sp>
           </mc:Choice>
-          <mc:Fallback>
+          <mc:Fallback xmlns="">
             <p:sp>
               <p:nvSpPr>
                 <p:cNvPr id="7" name="CasellaDiTesto 6">
@@ -12441,7 +12698,7 @@
                   <a:avLst/>
                 </a:prstGeom>
                 <a:blipFill>
-                  <a:blip r:embed="rId3"/>
+                  <a:blip r:embed="rId4"/>
                   <a:stretch>
                     <a:fillRect l="-8176" t="-2174" r="-8176" b="-32609"/>
                   </a:stretch>
@@ -12462,8 +12719,8 @@
             </p:sp>
           </mc:Fallback>
         </mc:AlternateContent>
-        <mc:AlternateContent xmlns:mc="http://schemas.openxmlformats.org/markup-compatibility/2006">
-          <mc:Choice xmlns:a14="http://schemas.microsoft.com/office/drawing/2010/main" Requires="a14">
+        <mc:AlternateContent xmlns:mc="http://schemas.openxmlformats.org/markup-compatibility/2006" xmlns:a14="http://schemas.microsoft.com/office/drawing/2010/main">
+          <mc:Choice Requires="a14">
             <p:sp>
               <p:nvSpPr>
                 <p:cNvPr id="22" name="CasellaDiTesto 21">
@@ -12594,7 +12851,7 @@
               </p:txBody>
             </p:sp>
           </mc:Choice>
-          <mc:Fallback>
+          <mc:Fallback xmlns="">
             <p:sp>
               <p:nvSpPr>
                 <p:cNvPr id="22" name="CasellaDiTesto 21">
@@ -12618,7 +12875,7 @@
                   <a:avLst/>
                 </a:prstGeom>
                 <a:blipFill>
-                  <a:blip r:embed="rId4"/>
+                  <a:blip r:embed="rId5"/>
                   <a:stretch>
                     <a:fillRect l="-2349" t="-2597" r="-336" b="-8442"/>
                   </a:stretch>
@@ -12645,8 +12902,8 @@
           </mc:Fallback>
         </mc:AlternateContent>
       </p:grpSp>
-      <mc:AlternateContent xmlns:mc="http://schemas.openxmlformats.org/markup-compatibility/2006">
-        <mc:Choice xmlns:a14="http://schemas.microsoft.com/office/drawing/2010/main" Requires="a14">
+      <mc:AlternateContent xmlns:mc="http://schemas.openxmlformats.org/markup-compatibility/2006" xmlns:a14="http://schemas.microsoft.com/office/drawing/2010/main">
+        <mc:Choice Requires="a14">
           <p:graphicFrame>
             <p:nvGraphicFramePr>
               <p:cNvPr id="29" name="Tabella 28">
@@ -14055,7 +14312,7 @@
             </a:graphic>
           </p:graphicFrame>
         </mc:Choice>
-        <mc:Fallback>
+        <mc:Fallback xmlns="">
           <p:graphicFrame>
             <p:nvGraphicFramePr>
               <p:cNvPr id="29" name="Tabella 28">
@@ -14163,7 +14420,7 @@
                           <a:prstDash val="solid"/>
                         </a:lnBlToTr>
                         <a:blipFill>
-                          <a:blip r:embed="rId5"/>
+                          <a:blip r:embed="rId6"/>
                           <a:stretch>
                             <a:fillRect t="-3636" r="-298182" b="-325455"/>
                           </a:stretch>
@@ -14216,7 +14473,7 @@
                           <a:prstDash val="solid"/>
                         </a:lnBlToTr>
                         <a:blipFill>
-                          <a:blip r:embed="rId5"/>
+                          <a:blip r:embed="rId6"/>
                           <a:stretch>
                             <a:fillRect l="-100000" t="-3636" r="-198182" b="-325455"/>
                           </a:stretch>
@@ -14388,7 +14645,7 @@
                           <a:prstDash val="solid"/>
                         </a:lnBlToTr>
                         <a:blipFill>
-                          <a:blip r:embed="rId5"/>
+                          <a:blip r:embed="rId6"/>
                           <a:stretch>
                             <a:fillRect t="-101786" r="-298182" b="-219643"/>
                           </a:stretch>
@@ -14441,7 +14698,7 @@
                           <a:prstDash val="solid"/>
                         </a:lnBlToTr>
                         <a:blipFill>
-                          <a:blip r:embed="rId5"/>
+                          <a:blip r:embed="rId6"/>
                           <a:stretch>
                             <a:fillRect l="-100000" t="-101786" r="-198182" b="-219643"/>
                           </a:stretch>
@@ -14494,7 +14751,7 @@
                           <a:prstDash val="solid"/>
                         </a:lnBlToTr>
                         <a:blipFill>
-                          <a:blip r:embed="rId5"/>
+                          <a:blip r:embed="rId6"/>
                           <a:stretch>
                             <a:fillRect l="-203704" t="-101786" r="-101852" b="-219643"/>
                           </a:stretch>
@@ -14666,7 +14923,7 @@
                           <a:prstDash val="solid"/>
                         </a:lnBlToTr>
                         <a:blipFill>
-                          <a:blip r:embed="rId5"/>
+                          <a:blip r:embed="rId6"/>
                           <a:stretch>
                             <a:fillRect l="-100000" t="-205455" r="-198182" b="-123636"/>
                           </a:stretch>
@@ -14719,7 +14976,7 @@
                           <a:prstDash val="solid"/>
                         </a:lnBlToTr>
                         <a:blipFill>
-                          <a:blip r:embed="rId5"/>
+                          <a:blip r:embed="rId6"/>
                           <a:stretch>
                             <a:fillRect l="-203704" t="-205455" r="-101852" b="-123636"/>
                           </a:stretch>
@@ -14772,7 +15029,7 @@
                           <a:prstDash val="solid"/>
                         </a:lnBlToTr>
                         <a:blipFill>
-                          <a:blip r:embed="rId5"/>
+                          <a:blip r:embed="rId6"/>
                           <a:stretch>
                             <a:fillRect l="-298182" t="-205455" b="-123636"/>
                           </a:stretch>
@@ -14944,7 +15201,7 @@
                           <a:prstDash val="solid"/>
                         </a:lnBlToTr>
                         <a:blipFill>
-                          <a:blip r:embed="rId5"/>
+                          <a:blip r:embed="rId6"/>
                           <a:stretch>
                             <a:fillRect l="-203704" t="-305455" r="-101852" b="-23636"/>
                           </a:stretch>
@@ -14997,7 +15254,7 @@
                           <a:prstDash val="solid"/>
                         </a:lnBlToTr>
                         <a:blipFill>
-                          <a:blip r:embed="rId5"/>
+                          <a:blip r:embed="rId6"/>
                           <a:stretch>
                             <a:fillRect l="-298182" t="-305455" b="-23636"/>
                           </a:stretch>
@@ -15109,8 +15366,8 @@
               </a:p>
             </p:txBody>
           </p:sp>
-          <mc:AlternateContent xmlns:mc="http://schemas.openxmlformats.org/markup-compatibility/2006">
-            <mc:Choice xmlns:a14="http://schemas.microsoft.com/office/drawing/2010/main" Requires="a14">
+          <mc:AlternateContent xmlns:mc="http://schemas.openxmlformats.org/markup-compatibility/2006" xmlns:a14="http://schemas.microsoft.com/office/drawing/2010/main">
+            <mc:Choice Requires="a14">
               <p:sp>
                 <p:nvSpPr>
                   <p:cNvPr id="26" name="CasellaDiTesto 25">
@@ -15168,13 +15425,7 @@
                             <a:rPr lang="en-GB" sz="3600" b="0" i="1" smtClean="0">
                               <a:latin typeface="Cambria Math" panose="02040503050406030204" pitchFamily="18" charset="0"/>
                             </a:rPr>
-                            <m:t>       </m:t>
-                          </m:r>
-                          <m:r>
-                            <a:rPr lang="en-GB" sz="3600" b="0" i="1" smtClean="0">
-                              <a:latin typeface="Cambria Math" panose="02040503050406030204" pitchFamily="18" charset="0"/>
-                            </a:rPr>
-                            <m:t>=</m:t>
+                            <m:t>       =</m:t>
                           </m:r>
                         </m:oMath>
                       </m:oMathPara>
@@ -15184,7 +15435,7 @@
                 </p:txBody>
               </p:sp>
             </mc:Choice>
-            <mc:Fallback>
+            <mc:Fallback xmlns="">
               <p:sp>
                 <p:nvSpPr>
                   <p:cNvPr id="26" name="CasellaDiTesto 25">
@@ -15208,7 +15459,7 @@
                     <a:avLst/>
                   </a:prstGeom>
                   <a:blipFill>
-                    <a:blip r:embed="rId6"/>
+                    <a:blip r:embed="rId7"/>
                     <a:stretch>
                       <a:fillRect/>
                     </a:stretch>
@@ -15229,8 +15480,8 @@
               </p:sp>
             </mc:Fallback>
           </mc:AlternateContent>
-          <mc:AlternateContent xmlns:mc="http://schemas.openxmlformats.org/markup-compatibility/2006">
-            <mc:Choice xmlns:a14="http://schemas.microsoft.com/office/drawing/2010/main" Requires="a14">
+          <mc:AlternateContent xmlns:mc="http://schemas.openxmlformats.org/markup-compatibility/2006" xmlns:a14="http://schemas.microsoft.com/office/drawing/2010/main">
+            <mc:Choice Requires="a14">
               <p:sp>
                 <p:nvSpPr>
                   <p:cNvPr id="27" name="CasellaDiTesto 26">
@@ -15259,6 +15510,7 @@
                   </a:bodyPr>
                   <a:lstStyle/>
                   <a:p>
+                    <a:pPr/>
                     <a14:m>
                       <m:oMathPara xmlns:m="http://schemas.openxmlformats.org/officeDocument/2006/math">
                         <m:oMathParaPr>
@@ -15280,7 +15532,7 @@
                 </p:txBody>
               </p:sp>
             </mc:Choice>
-            <mc:Fallback>
+            <mc:Fallback xmlns="">
               <p:sp>
                 <p:nvSpPr>
                   <p:cNvPr id="27" name="CasellaDiTesto 26">
@@ -15304,7 +15556,7 @@
                     <a:avLst/>
                   </a:prstGeom>
                   <a:blipFill>
-                    <a:blip r:embed="rId7"/>
+                    <a:blip r:embed="rId8"/>
                     <a:stretch>
                       <a:fillRect l="-5479" r="-6164" b="-6667"/>
                     </a:stretch>
@@ -15440,6 +15692,105 @@
           <a:p>
             <a:pPr algn="ctr"/>
             <a:endParaRPr lang="it-IT"/>
+          </a:p>
+        </p:txBody>
+      </p:sp>
+      <p:sp>
+        <p:nvSpPr>
+          <p:cNvPr id="3" name="CasellaDiTesto 2">
+            <a:extLst>
+              <a:ext uri="{FF2B5EF4-FFF2-40B4-BE49-F238E27FC236}">
+                <a16:creationId xmlns:a16="http://schemas.microsoft.com/office/drawing/2014/main" id="{D4352C9D-995F-28DB-4A69-FD5517E85DBB}"/>
+              </a:ext>
+            </a:extLst>
+          </p:cNvPr>
+          <p:cNvSpPr txBox="1"/>
+          <p:nvPr/>
+        </p:nvSpPr>
+        <p:spPr>
+          <a:xfrm>
+            <a:off x="485190" y="4816753"/>
+            <a:ext cx="5365104" cy="1477328"/>
+          </a:xfrm>
+          <a:prstGeom prst="rect">
+            <a:avLst/>
+          </a:prstGeom>
+          <a:noFill/>
+        </p:spPr>
+        <p:txBody>
+          <a:bodyPr wrap="square" rtlCol="0">
+            <a:spAutoFit/>
+          </a:bodyPr>
+          <a:lstStyle/>
+          <a:p>
+            <a:r>
+              <a:rPr lang="it-IT" dirty="0"/>
+              <a:t>Nr = 10, </a:t>
+            </a:r>
+            <a:r>
+              <a:rPr lang="it-IT" dirty="0" err="1"/>
+              <a:t>th</a:t>
+            </a:r>
+            <a:r>
+              <a:rPr lang="it-IT" dirty="0"/>
+              <a:t>=pi/2, </a:t>
+            </a:r>
+            <a:r>
+              <a:rPr lang="it-IT" dirty="0" err="1"/>
+              <a:t>Sz</a:t>
+            </a:r>
+            <a:r>
+              <a:rPr lang="it-IT" dirty="0"/>
+              <a:t>=0 </a:t>
+            </a:r>
+            <a:r>
+              <a:rPr lang="it-IT" dirty="0" err="1"/>
+              <a:t>sector</a:t>
+            </a:r>
+            <a:r>
+              <a:rPr lang="it-IT" dirty="0"/>
+              <a:t> (#184756), </a:t>
+            </a:r>
+            <a:r>
+              <a:rPr lang="it-IT" dirty="0" err="1"/>
+              <a:t>m_lanczos</a:t>
+            </a:r>
+            <a:r>
+              <a:rPr lang="it-IT" dirty="0"/>
+              <a:t> = 15</a:t>
+            </a:r>
+          </a:p>
+          <a:p>
+            <a:r>
+              <a:rPr lang="it-IT" dirty="0"/>
+              <a:t>GS energy from LANCZOS -7.4999999999999964</a:t>
+            </a:r>
+          </a:p>
+          <a:p>
+            <a:r>
+              <a:rPr lang="it-IT" dirty="0" err="1"/>
+              <a:t>Elapsed</a:t>
+            </a:r>
+            <a:r>
+              <a:rPr lang="it-IT" dirty="0"/>
+              <a:t> time1: 27.39287829399109</a:t>
+            </a:r>
+          </a:p>
+          <a:p>
+            <a:r>
+              <a:rPr lang="it-IT" dirty="0"/>
+              <a:t>GS energy for SPARSE MATRIX -7.500000476837158</a:t>
+            </a:r>
+          </a:p>
+          <a:p>
+            <a:r>
+              <a:rPr lang="it-IT" dirty="0" err="1"/>
+              <a:t>Elapsed</a:t>
+            </a:r>
+            <a:r>
+              <a:rPr lang="it-IT" dirty="0"/>
+              <a:t> time2: 90.06693387031555</a:t>
+            </a:r>
           </a:p>
         </p:txBody>
       </p:sp>
@@ -26162,8 +26513,8 @@
           </p:sp>
         </mc:Fallback>
       </mc:AlternateContent>
-      <mc:AlternateContent xmlns:mc="http://schemas.openxmlformats.org/markup-compatibility/2006">
-        <mc:Choice xmlns:a14="http://schemas.microsoft.com/office/drawing/2010/main" Requires="a14">
+      <mc:AlternateContent xmlns:mc="http://schemas.openxmlformats.org/markup-compatibility/2006" xmlns:a14="http://schemas.microsoft.com/office/drawing/2010/main">
+        <mc:Choice Requires="a14">
           <p:sp>
             <p:nvSpPr>
               <p:cNvPr id="9" name="CasellaDiTesto 8">
@@ -26519,7 +26870,7 @@
             </p:txBody>
           </p:sp>
         </mc:Choice>
-        <mc:Fallback>
+        <mc:Fallback xmlns="">
           <p:sp>
             <p:nvSpPr>
               <p:cNvPr id="9" name="CasellaDiTesto 8">
@@ -27547,8 +27898,8 @@
           </a:p>
         </p:txBody>
       </p:sp>
-      <mc:AlternateContent xmlns:mc="http://schemas.openxmlformats.org/markup-compatibility/2006">
-        <mc:Choice xmlns:a14="http://schemas.microsoft.com/office/drawing/2010/main" Requires="a14">
+      <mc:AlternateContent xmlns:mc="http://schemas.openxmlformats.org/markup-compatibility/2006" xmlns:a14="http://schemas.microsoft.com/office/drawing/2010/main">
+        <mc:Choice Requires="a14">
           <p:sp>
             <p:nvSpPr>
               <p:cNvPr id="16" name="CasellaDiTesto 15">
@@ -28122,7 +28473,7 @@
             </p:txBody>
           </p:sp>
         </mc:Choice>
-        <mc:Fallback>
+        <mc:Fallback xmlns="">
           <p:sp>
             <p:nvSpPr>
               <p:cNvPr id="16" name="CasellaDiTesto 15">
@@ -28172,8 +28523,8 @@
           </p:sp>
         </mc:Fallback>
       </mc:AlternateContent>
-      <mc:AlternateContent xmlns:mc="http://schemas.openxmlformats.org/markup-compatibility/2006">
-        <mc:Choice xmlns:a14="http://schemas.microsoft.com/office/drawing/2010/main" Requires="a14">
+      <mc:AlternateContent xmlns:mc="http://schemas.openxmlformats.org/markup-compatibility/2006" xmlns:a14="http://schemas.microsoft.com/office/drawing/2010/main">
+        <mc:Choice Requires="a14">
           <p:sp>
             <p:nvSpPr>
               <p:cNvPr id="17" name="CasellaDiTesto 16">
@@ -28322,7 +28673,7 @@
             </p:txBody>
           </p:sp>
         </mc:Choice>
-        <mc:Fallback>
+        <mc:Fallback xmlns="">
           <p:sp>
             <p:nvSpPr>
               <p:cNvPr id="17" name="CasellaDiTesto 16">
@@ -28367,8 +28718,8 @@
           </p:sp>
         </mc:Fallback>
       </mc:AlternateContent>
-      <mc:AlternateContent xmlns:mc="http://schemas.openxmlformats.org/markup-compatibility/2006">
-        <mc:Choice xmlns:a14="http://schemas.microsoft.com/office/drawing/2010/main" Requires="a14">
+      <mc:AlternateContent xmlns:mc="http://schemas.openxmlformats.org/markup-compatibility/2006" xmlns:a14="http://schemas.microsoft.com/office/drawing/2010/main">
+        <mc:Choice Requires="a14">
           <p:sp>
             <p:nvSpPr>
               <p:cNvPr id="4" name="CasellaDiTesto 3">
@@ -28524,7 +28875,7 @@
             </p:txBody>
           </p:sp>
         </mc:Choice>
-        <mc:Fallback>
+        <mc:Fallback xmlns="">
           <p:sp>
             <p:nvSpPr>
               <p:cNvPr id="4" name="CasellaDiTesto 3">
@@ -28613,8 +28964,8 @@
           </a:p>
         </p:txBody>
       </p:sp>
-      <mc:AlternateContent xmlns:mc="http://schemas.openxmlformats.org/markup-compatibility/2006">
-        <mc:Choice xmlns:a14="http://schemas.microsoft.com/office/drawing/2010/main" Requires="a14">
+      <mc:AlternateContent xmlns:mc="http://schemas.openxmlformats.org/markup-compatibility/2006" xmlns:a14="http://schemas.microsoft.com/office/drawing/2010/main">
+        <mc:Choice Requires="a14">
           <p:sp>
             <p:nvSpPr>
               <p:cNvPr id="6" name="CasellaDiTesto 5">
@@ -28669,7 +29020,7 @@
             </p:txBody>
           </p:sp>
         </mc:Choice>
-        <mc:Fallback>
+        <mc:Fallback xmlns="">
           <p:sp>
             <p:nvSpPr>
               <p:cNvPr id="6" name="CasellaDiTesto 5">
@@ -30254,8 +30605,8 @@
           </a:p>
         </p:txBody>
       </p:sp>
-      <mc:AlternateContent xmlns:mc="http://schemas.openxmlformats.org/markup-compatibility/2006">
-        <mc:Choice xmlns:a14="http://schemas.microsoft.com/office/drawing/2010/main" Requires="a14">
+      <mc:AlternateContent xmlns:mc="http://schemas.openxmlformats.org/markup-compatibility/2006" xmlns:a14="http://schemas.microsoft.com/office/drawing/2010/main">
+        <mc:Choice Requires="a14">
           <p:sp>
             <p:nvSpPr>
               <p:cNvPr id="5" name="CasellaDiTesto 4">
@@ -30517,7 +30868,7 @@
             </p:txBody>
           </p:sp>
         </mc:Choice>
-        <mc:Fallback>
+        <mc:Fallback xmlns="">
           <p:sp>
             <p:nvSpPr>
               <p:cNvPr id="5" name="CasellaDiTesto 4">
@@ -34171,8 +34522,8 @@
           </a:fontRef>
         </p:style>
       </p:cxnSp>
-      <mc:AlternateContent xmlns:mc="http://schemas.openxmlformats.org/markup-compatibility/2006">
-        <mc:Choice xmlns:a14="http://schemas.microsoft.com/office/drawing/2010/main" Requires="a14">
+      <mc:AlternateContent xmlns:mc="http://schemas.openxmlformats.org/markup-compatibility/2006" xmlns:a14="http://schemas.microsoft.com/office/drawing/2010/main">
+        <mc:Choice Requires="a14">
           <p:sp>
             <p:nvSpPr>
               <p:cNvPr id="3" name="CasellaDiTesto 2">
@@ -34201,6 +34552,7 @@
               </a:bodyPr>
               <a:lstStyle/>
               <a:p>
+                <a:pPr/>
                 <a14:m>
                   <m:oMathPara xmlns:m="http://schemas.openxmlformats.org/officeDocument/2006/math">
                     <m:oMathParaPr>
@@ -34271,7 +34623,7 @@
             </p:txBody>
           </p:sp>
         </mc:Choice>
-        <mc:Fallback>
+        <mc:Fallback xmlns="">
           <p:sp>
             <p:nvSpPr>
               <p:cNvPr id="3" name="CasellaDiTesto 2">
@@ -36787,8 +37139,8 @@
           </mc:AlternateContent>
         </p:grpSp>
       </p:grpSp>
-      <mc:AlternateContent xmlns:mc="http://schemas.openxmlformats.org/markup-compatibility/2006">
-        <mc:Choice xmlns:a14="http://schemas.microsoft.com/office/drawing/2010/main" Requires="a14">
+      <mc:AlternateContent xmlns:mc="http://schemas.openxmlformats.org/markup-compatibility/2006" xmlns:a14="http://schemas.microsoft.com/office/drawing/2010/main">
+        <mc:Choice Requires="a14">
           <p:sp>
             <p:nvSpPr>
               <p:cNvPr id="7" name="CasellaDiTesto 6">
@@ -37012,7 +37364,7 @@
             </p:txBody>
           </p:sp>
         </mc:Choice>
-        <mc:Fallback>
+        <mc:Fallback xmlns="">
           <p:sp>
             <p:nvSpPr>
               <p:cNvPr id="7" name="CasellaDiTesto 6">
@@ -37843,8 +38195,8 @@
               </p:txBody>
             </p:sp>
           </p:grpSp>
-          <mc:AlternateContent xmlns:mc="http://schemas.openxmlformats.org/markup-compatibility/2006">
-            <mc:Choice xmlns:a14="http://schemas.microsoft.com/office/drawing/2010/main" Requires="a14">
+          <mc:AlternateContent xmlns:mc="http://schemas.openxmlformats.org/markup-compatibility/2006" xmlns:a14="http://schemas.microsoft.com/office/drawing/2010/main">
+            <mc:Choice Requires="a14">
               <p:sp>
                 <p:nvSpPr>
                   <p:cNvPr id="47" name="CasellaDiTesto 46">
@@ -37900,7 +38252,7 @@
                 </p:txBody>
               </p:sp>
             </mc:Choice>
-            <mc:Fallback>
+            <mc:Fallback xmlns="">
               <p:sp>
                 <p:nvSpPr>
                   <p:cNvPr id="47" name="CasellaDiTesto 46">
@@ -37946,8 +38298,8 @@
             </mc:Fallback>
           </mc:AlternateContent>
         </p:grpSp>
-        <mc:AlternateContent xmlns:mc="http://schemas.openxmlformats.org/markup-compatibility/2006">
-          <mc:Choice xmlns:a14="http://schemas.microsoft.com/office/drawing/2010/main" Requires="a14">
+        <mc:AlternateContent xmlns:mc="http://schemas.openxmlformats.org/markup-compatibility/2006" xmlns:a14="http://schemas.microsoft.com/office/drawing/2010/main">
+          <mc:Choice Requires="a14">
             <p:sp>
               <p:nvSpPr>
                 <p:cNvPr id="24" name="CasellaDiTesto 23">
@@ -37976,6 +38328,7 @@
                 </a:bodyPr>
                 <a:lstStyle/>
                 <a:p>
+                  <a:pPr/>
                   <a14:m>
                     <m:oMathPara xmlns:m="http://schemas.openxmlformats.org/officeDocument/2006/math">
                       <m:oMathParaPr>
@@ -37995,13 +38348,7 @@
                               <a:rPr lang="en-GB" b="0" i="1" smtClean="0">
                                 <a:latin typeface="Cambria Math" panose="02040503050406030204" pitchFamily="18" charset="0"/>
                               </a:rPr>
-                              <m:t>(</m:t>
-                            </m:r>
-                            <m:r>
-                              <a:rPr lang="en-GB" b="0" i="1" smtClean="0">
-                                <a:latin typeface="Cambria Math" panose="02040503050406030204" pitchFamily="18" charset="0"/>
-                              </a:rPr>
-                              <m:t>2</m:t>
+                              <m:t>(2</m:t>
                             </m:r>
                           </m:e>
                           <m:sup>
@@ -38063,7 +38410,7 @@
               </p:txBody>
             </p:sp>
           </mc:Choice>
-          <mc:Fallback>
+          <mc:Fallback xmlns="">
             <p:sp>
               <p:nvSpPr>
                 <p:cNvPr id="24" name="CasellaDiTesto 23">
@@ -38109,8 +38456,8 @@
           </mc:Fallback>
         </mc:AlternateContent>
       </p:grpSp>
-      <mc:AlternateContent xmlns:mc="http://schemas.openxmlformats.org/markup-compatibility/2006">
-        <mc:Choice xmlns:a14="http://schemas.microsoft.com/office/drawing/2010/main" Requires="a14">
+      <mc:AlternateContent xmlns:mc="http://schemas.openxmlformats.org/markup-compatibility/2006" xmlns:a14="http://schemas.microsoft.com/office/drawing/2010/main">
+        <mc:Choice Requires="a14">
           <p:sp>
             <p:nvSpPr>
               <p:cNvPr id="50" name="CasellaDiTesto 49">
@@ -38139,6 +38486,7 @@
               </a:bodyPr>
               <a:lstStyle/>
               <a:p>
+                <a:pPr/>
                 <a14:m>
                   <m:oMathPara xmlns:m="http://schemas.openxmlformats.org/officeDocument/2006/math">
                     <m:oMathParaPr>
@@ -38321,7 +38669,7 @@
             </p:txBody>
           </p:sp>
         </mc:Choice>
-        <mc:Fallback>
+        <mc:Fallback xmlns="">
           <p:sp>
             <p:nvSpPr>
               <p:cNvPr id="50" name="CasellaDiTesto 49">
@@ -38366,8 +38714,8 @@
           </p:sp>
         </mc:Fallback>
       </mc:AlternateContent>
-      <mc:AlternateContent xmlns:mc="http://schemas.openxmlformats.org/markup-compatibility/2006">
-        <mc:Choice xmlns:a14="http://schemas.microsoft.com/office/drawing/2010/main" Requires="a14">
+      <mc:AlternateContent xmlns:mc="http://schemas.openxmlformats.org/markup-compatibility/2006" xmlns:a14="http://schemas.microsoft.com/office/drawing/2010/main">
+        <mc:Choice Requires="a14">
           <p:sp>
             <p:nvSpPr>
               <p:cNvPr id="51" name="CasellaDiTesto 50">
@@ -38555,7 +38903,7 @@
             </p:txBody>
           </p:sp>
         </mc:Choice>
-        <mc:Fallback>
+        <mc:Fallback xmlns="">
           <p:sp>
             <p:nvSpPr>
               <p:cNvPr id="51" name="CasellaDiTesto 50">
@@ -39047,8 +39395,8 @@
           <a:chExt cx="0" cy="0"/>
         </a:xfrm>
       </p:grpSpPr>
-      <mc:AlternateContent xmlns:mc="http://schemas.openxmlformats.org/markup-compatibility/2006">
-        <mc:Choice xmlns:a14="http://schemas.microsoft.com/office/drawing/2010/main" Requires="a14">
+      <mc:AlternateContent xmlns:mc="http://schemas.openxmlformats.org/markup-compatibility/2006" xmlns:a14="http://schemas.microsoft.com/office/drawing/2010/main">
+        <mc:Choice Requires="a14">
           <p:sp>
             <p:nvSpPr>
               <p:cNvPr id="83" name="CasellaDiTesto 82">
@@ -39117,7 +39465,7 @@
             </p:txBody>
           </p:sp>
         </mc:Choice>
-        <mc:Fallback>
+        <mc:Fallback xmlns="">
           <p:sp>
             <p:nvSpPr>
               <p:cNvPr id="83" name="CasellaDiTesto 82">
@@ -39821,8 +40169,8 @@
           </a:p>
         </p:txBody>
       </p:sp>
-      <mc:AlternateContent xmlns:mc="http://schemas.openxmlformats.org/markup-compatibility/2006">
-        <mc:Choice xmlns:a14="http://schemas.microsoft.com/office/drawing/2010/main" Requires="a14">
+      <mc:AlternateContent xmlns:mc="http://schemas.openxmlformats.org/markup-compatibility/2006" xmlns:a14="http://schemas.microsoft.com/office/drawing/2010/main">
+        <mc:Choice Requires="a14">
           <p:sp>
             <p:nvSpPr>
               <p:cNvPr id="52" name="CasellaDiTesto 51">
@@ -39921,7 +40269,7 @@
             </p:txBody>
           </p:sp>
         </mc:Choice>
-        <mc:Fallback>
+        <mc:Fallback xmlns="">
           <p:sp>
             <p:nvSpPr>
               <p:cNvPr id="52" name="CasellaDiTesto 51">
@@ -39966,8 +40314,8 @@
           </p:sp>
         </mc:Fallback>
       </mc:AlternateContent>
-      <mc:AlternateContent xmlns:mc="http://schemas.openxmlformats.org/markup-compatibility/2006">
-        <mc:Choice xmlns:a14="http://schemas.microsoft.com/office/drawing/2010/main" Requires="a14">
+      <mc:AlternateContent xmlns:mc="http://schemas.openxmlformats.org/markup-compatibility/2006" xmlns:a14="http://schemas.microsoft.com/office/drawing/2010/main">
+        <mc:Choice Requires="a14">
           <p:sp>
             <p:nvSpPr>
               <p:cNvPr id="53" name="CasellaDiTesto 52">
@@ -40066,7 +40414,7 @@
             </p:txBody>
           </p:sp>
         </mc:Choice>
-        <mc:Fallback>
+        <mc:Fallback xmlns="">
           <p:sp>
             <p:nvSpPr>
               <p:cNvPr id="53" name="CasellaDiTesto 52">
@@ -40111,8 +40459,8 @@
           </p:sp>
         </mc:Fallback>
       </mc:AlternateContent>
-      <mc:AlternateContent xmlns:mc="http://schemas.openxmlformats.org/markup-compatibility/2006">
-        <mc:Choice xmlns:a14="http://schemas.microsoft.com/office/drawing/2010/main" Requires="a14">
+      <mc:AlternateContent xmlns:mc="http://schemas.openxmlformats.org/markup-compatibility/2006" xmlns:a14="http://schemas.microsoft.com/office/drawing/2010/main">
+        <mc:Choice Requires="a14">
           <p:sp>
             <p:nvSpPr>
               <p:cNvPr id="54" name="CasellaDiTesto 53">
@@ -40211,7 +40559,7 @@
             </p:txBody>
           </p:sp>
         </mc:Choice>
-        <mc:Fallback>
+        <mc:Fallback xmlns="">
           <p:sp>
             <p:nvSpPr>
               <p:cNvPr id="54" name="CasellaDiTesto 53">
@@ -40568,8 +40916,8 @@
           </a:p>
         </p:txBody>
       </p:sp>
-      <mc:AlternateContent xmlns:mc="http://schemas.openxmlformats.org/markup-compatibility/2006">
-        <mc:Choice xmlns:a14="http://schemas.microsoft.com/office/drawing/2010/main" Requires="a14">
+      <mc:AlternateContent xmlns:mc="http://schemas.openxmlformats.org/markup-compatibility/2006" xmlns:a14="http://schemas.microsoft.com/office/drawing/2010/main">
+        <mc:Choice Requires="a14">
           <p:sp>
             <p:nvSpPr>
               <p:cNvPr id="84" name="CasellaDiTesto 83">
@@ -40638,7 +40986,7 @@
             </p:txBody>
           </p:sp>
         </mc:Choice>
-        <mc:Fallback>
+        <mc:Fallback xmlns="">
           <p:sp>
             <p:nvSpPr>
               <p:cNvPr id="84" name="CasellaDiTesto 83">
